--- a/enterjs2024-night-session.pptx
+++ b/enterjs2024-night-session.pptx
@@ -5,24 +5,26 @@
     <p:sldMasterId id="2147483669" r:id="rId1"/>
   </p:sldMasterIdLst>
   <p:notesMasterIdLst>
-    <p:notesMasterId r:id="rId14"/>
+    <p:notesMasterId r:id="rId16"/>
   </p:notesMasterIdLst>
   <p:handoutMasterIdLst>
-    <p:handoutMasterId r:id="rId15"/>
+    <p:handoutMasterId r:id="rId17"/>
   </p:handoutMasterIdLst>
   <p:sldIdLst>
     <p:sldId id="2004" r:id="rId2"/>
-    <p:sldId id="2006" r:id="rId3"/>
-    <p:sldId id="2007" r:id="rId4"/>
-    <p:sldId id="1987" r:id="rId5"/>
-    <p:sldId id="1990" r:id="rId6"/>
-    <p:sldId id="2008" r:id="rId7"/>
-    <p:sldId id="1992" r:id="rId8"/>
-    <p:sldId id="1993" r:id="rId9"/>
-    <p:sldId id="1996" r:id="rId10"/>
-    <p:sldId id="2009" r:id="rId11"/>
-    <p:sldId id="1994" r:id="rId12"/>
-    <p:sldId id="2010" r:id="rId13"/>
+    <p:sldId id="2011" r:id="rId3"/>
+    <p:sldId id="2012" r:id="rId4"/>
+    <p:sldId id="2006" r:id="rId5"/>
+    <p:sldId id="2007" r:id="rId6"/>
+    <p:sldId id="1987" r:id="rId7"/>
+    <p:sldId id="1990" r:id="rId8"/>
+    <p:sldId id="2008" r:id="rId9"/>
+    <p:sldId id="1992" r:id="rId10"/>
+    <p:sldId id="1993" r:id="rId11"/>
+    <p:sldId id="1996" r:id="rId12"/>
+    <p:sldId id="2009" r:id="rId13"/>
+    <p:sldId id="1994" r:id="rId14"/>
+    <p:sldId id="2010" r:id="rId15"/>
   </p:sldIdLst>
   <p:sldSz cx="9144000" cy="5143500" type="screen16x9"/>
   <p:notesSz cx="6858000" cy="9144000"/>
@@ -127,6 +129,8 @@
         <p14:section name="Standardabschnitt" id="{9B3FEC54-C99A-2341-AAD7-27E0ADE2F16E}">
           <p14:sldIdLst>
             <p14:sldId id="2004"/>
+            <p14:sldId id="2011"/>
+            <p14:sldId id="2012"/>
             <p14:sldId id="2006"/>
             <p14:sldId id="2007"/>
             <p14:sldId id="1987"/>
@@ -4596,6 +4600,816 @@
               <a:buNone/>
             </a:pPr>
             <a:r>
+              <a:rPr lang="de-DE" b="0" dirty="0">
+                <a:solidFill>
+                  <a:srgbClr val="36544F"/>
+                </a:solidFill>
+                <a:latin typeface="Source Sans Pro" panose="020B0503030403020204" pitchFamily="34" charset="0"/>
+              </a:rPr>
+              <a:t>Ebenfalls ganz in JavaScript</a:t>
+            </a:r>
+          </a:p>
+          <a:p>
+            <a:pPr marL="0" indent="0" algn="ctr">
+              <a:lnSpc>
+                <a:spcPct val="120000"/>
+              </a:lnSpc>
+              <a:buNone/>
+            </a:pPr>
+            <a:r>
+              <a:rPr lang="de-DE" b="0" dirty="0">
+                <a:solidFill>
+                  <a:srgbClr val="36544F"/>
+                </a:solidFill>
+                <a:latin typeface="Source Sans Pro" panose="020B0503030403020204" pitchFamily="34" charset="0"/>
+              </a:rPr>
+              <a:t>Laufen auf dem Server</a:t>
+            </a:r>
+          </a:p>
+          <a:p>
+            <a:pPr marL="0" indent="0" algn="ctr">
+              <a:lnSpc>
+                <a:spcPct val="120000"/>
+              </a:lnSpc>
+              <a:buNone/>
+            </a:pPr>
+            <a:endParaRPr lang="de-DE" b="0" dirty="0">
+              <a:solidFill>
+                <a:srgbClr val="9E60B8"/>
+              </a:solidFill>
+              <a:latin typeface="Source Sans Pro" panose="020B0503030403020204" pitchFamily="34" charset="0"/>
+            </a:endParaRPr>
+          </a:p>
+          <a:p>
+            <a:endParaRPr lang="de-DE" b="0" dirty="0">
+              <a:solidFill>
+                <a:srgbClr val="36544F"/>
+              </a:solidFill>
+            </a:endParaRPr>
+          </a:p>
+        </p:txBody>
+      </p:sp>
+      <p:pic>
+        <p:nvPicPr>
+          <p:cNvPr id="7" name="Grafik 6">
+            <a:extLst>
+              <a:ext uri="{FF2B5EF4-FFF2-40B4-BE49-F238E27FC236}">
+                <a16:creationId xmlns:a16="http://schemas.microsoft.com/office/drawing/2014/main" id="{C28E6713-F525-2650-1863-02872A83B2FD}"/>
+              </a:ext>
+            </a:extLst>
+          </p:cNvPr>
+          <p:cNvPicPr>
+            <a:picLocks noChangeAspect="1"/>
+          </p:cNvPicPr>
+          <p:nvPr/>
+        </p:nvPicPr>
+        <p:blipFill>
+          <a:blip r:embed="rId2"/>
+          <a:stretch>
+            <a:fillRect/>
+          </a:stretch>
+        </p:blipFill>
+        <p:spPr>
+          <a:xfrm>
+            <a:off x="3869467" y="1635040"/>
+            <a:ext cx="1405065" cy="2343590"/>
+          </a:xfrm>
+          <a:prstGeom prst="rect">
+            <a:avLst/>
+          </a:prstGeom>
+        </p:spPr>
+      </p:pic>
+    </p:spTree>
+    <p:extLst>
+      <p:ext uri="{BB962C8B-B14F-4D97-AF65-F5344CB8AC3E}">
+        <p14:creationId xmlns:p14="http://schemas.microsoft.com/office/powerpoint/2010/main" val="1592445642"/>
+      </p:ext>
+    </p:extLst>
+  </p:cSld>
+  <p:clrMapOvr>
+    <a:masterClrMapping/>
+  </p:clrMapOvr>
+</p:sld>
+</file>
+
+<file path=ppt/slides/slide11.xml><?xml version="1.0" encoding="utf-8"?>
+<p:sld xmlns:a="http://schemas.openxmlformats.org/drawingml/2006/main" xmlns:r="http://schemas.openxmlformats.org/officeDocument/2006/relationships" xmlns:p="http://schemas.openxmlformats.org/presentationml/2006/main">
+  <p:cSld>
+    <p:spTree>
+      <p:nvGrpSpPr>
+        <p:cNvPr id="1" name=""/>
+        <p:cNvGrpSpPr/>
+        <p:nvPr/>
+      </p:nvGrpSpPr>
+      <p:grpSpPr>
+        <a:xfrm>
+          <a:off x="0" y="0"/>
+          <a:ext cx="0" cy="0"/>
+          <a:chOff x="0" y="0"/>
+          <a:chExt cx="0" cy="0"/>
+        </a:xfrm>
+      </p:grpSpPr>
+      <p:sp>
+        <p:nvSpPr>
+          <p:cNvPr id="2" name="Titel 1">
+            <a:extLst>
+              <a:ext uri="{FF2B5EF4-FFF2-40B4-BE49-F238E27FC236}">
+                <a16:creationId xmlns:a16="http://schemas.microsoft.com/office/drawing/2014/main" id="{9AE326C3-B1FE-964D-FB58-A93C7898B942}"/>
+              </a:ext>
+            </a:extLst>
+          </p:cNvPr>
+          <p:cNvSpPr>
+            <a:spLocks noGrp="1"/>
+          </p:cNvSpPr>
+          <p:nvPr>
+            <p:ph type="title"/>
+          </p:nvPr>
+        </p:nvSpPr>
+        <p:spPr/>
+        <p:txBody>
+          <a:bodyPr/>
+          <a:lstStyle/>
+          <a:p>
+            <a:r>
+              <a:rPr lang="de-DE" dirty="0"/>
+              <a:t>von damals bis heute...</a:t>
+            </a:r>
+          </a:p>
+        </p:txBody>
+      </p:sp>
+      <p:sp>
+        <p:nvSpPr>
+          <p:cNvPr id="3" name="Textfeld 2">
+            <a:extLst>
+              <a:ext uri="{FF2B5EF4-FFF2-40B4-BE49-F238E27FC236}">
+                <a16:creationId xmlns:a16="http://schemas.microsoft.com/office/drawing/2014/main" id="{6201B0E7-E3D0-4E23-2524-D2BD5D01149B}"/>
+              </a:ext>
+            </a:extLst>
+          </p:cNvPr>
+          <p:cNvSpPr txBox="1"/>
+          <p:nvPr/>
+        </p:nvSpPr>
+        <p:spPr>
+          <a:xfrm>
+            <a:off x="339911" y="883022"/>
+            <a:ext cx="3395481" cy="461665"/>
+          </a:xfrm>
+          <a:prstGeom prst="rect">
+            <a:avLst/>
+          </a:prstGeom>
+          <a:solidFill>
+            <a:srgbClr val="FFFDF9"/>
+          </a:solidFill>
+          <a:ln w="15875">
+            <a:solidFill>
+              <a:schemeClr val="accent1"/>
+            </a:solidFill>
+          </a:ln>
+          <a:effectLst>
+            <a:outerShdw blurRad="241085" dist="106743" dir="3480000" sx="100928" sy="100928" algn="tl" rotWithShape="0">
+              <a:prstClr val="black">
+                <a:alpha val="32000"/>
+              </a:prstClr>
+            </a:outerShdw>
+          </a:effectLst>
+        </p:spPr>
+        <p:txBody>
+          <a:bodyPr wrap="none" rtlCol="0">
+            <a:spAutoFit/>
+          </a:bodyPr>
+          <a:lstStyle/>
+          <a:p>
+            <a:pPr algn="l"/>
+            <a:r>
+              <a:rPr lang="de-DE" sz="2400" b="1" dirty="0" err="1">
+                <a:solidFill>
+                  <a:srgbClr val="36544F"/>
+                </a:solidFill>
+                <a:latin typeface="Source Sans Pro SemiBold" panose="020B0503030403020204" pitchFamily="34" charset="0"/>
+              </a:rPr>
+              <a:t>Fullstack</a:t>
+            </a:r>
+            <a:r>
+              <a:rPr lang="de-DE" sz="2400" b="1" dirty="0">
+                <a:solidFill>
+                  <a:srgbClr val="36544F"/>
+                </a:solidFill>
+                <a:latin typeface="Source Sans Pro SemiBold" panose="020B0503030403020204" pitchFamily="34" charset="0"/>
+              </a:rPr>
+              <a:t>-Anwendungen</a:t>
+            </a:r>
+          </a:p>
+        </p:txBody>
+      </p:sp>
+      <p:sp>
+        <p:nvSpPr>
+          <p:cNvPr id="4" name="Inhaltsplatzhalter 2">
+            <a:extLst>
+              <a:ext uri="{FF2B5EF4-FFF2-40B4-BE49-F238E27FC236}">
+                <a16:creationId xmlns:a16="http://schemas.microsoft.com/office/drawing/2014/main" id="{34B3AD56-5280-2DFF-59D9-A8CFF7147DC7}"/>
+              </a:ext>
+            </a:extLst>
+          </p:cNvPr>
+          <p:cNvSpPr txBox="1">
+            <a:spLocks/>
+          </p:cNvSpPr>
+          <p:nvPr/>
+        </p:nvSpPr>
+        <p:spPr>
+          <a:xfrm>
+            <a:off x="0" y="4047893"/>
+            <a:ext cx="9144000" cy="1249031"/>
+          </a:xfrm>
+          <a:prstGeom prst="rect">
+            <a:avLst/>
+          </a:prstGeom>
+        </p:spPr>
+        <p:txBody>
+          <a:bodyPr vert="horz" lIns="91440" tIns="45720" rIns="91440" bIns="45720" rtlCol="0">
+            <a:normAutofit/>
+          </a:bodyPr>
+          <a:lstStyle>
+            <a:lvl1pPr marL="171450" indent="-171450" algn="l" defTabSz="685800" rtl="0" eaLnBrk="1" latinLnBrk="0" hangingPunct="1">
+              <a:lnSpc>
+                <a:spcPct val="90000"/>
+              </a:lnSpc>
+              <a:spcBef>
+                <a:spcPts val="750"/>
+              </a:spcBef>
+              <a:buFont typeface="Arial" panose="020B0604020202020204" pitchFamily="34" charset="0"/>
+              <a:buChar char="•"/>
+              <a:defRPr sz="2100" b="1" kern="1200">
+                <a:solidFill>
+                  <a:srgbClr val="FB8E20"/>
+                </a:solidFill>
+                <a:latin typeface="+mn-lt"/>
+                <a:ea typeface="+mn-ea"/>
+                <a:cs typeface="+mn-cs"/>
+              </a:defRPr>
+            </a:lvl1pPr>
+            <a:lvl2pPr marL="514350" indent="-171450" algn="l" defTabSz="685800" rtl="0" eaLnBrk="1" latinLnBrk="0" hangingPunct="1">
+              <a:lnSpc>
+                <a:spcPct val="90000"/>
+              </a:lnSpc>
+              <a:spcBef>
+                <a:spcPts val="375"/>
+              </a:spcBef>
+              <a:buFont typeface="Arial" panose="020B0604020202020204" pitchFamily="34" charset="0"/>
+              <a:buChar char="•"/>
+              <a:defRPr sz="1800" kern="1200">
+                <a:solidFill>
+                  <a:srgbClr val="36544F"/>
+                </a:solidFill>
+                <a:latin typeface="+mn-lt"/>
+                <a:ea typeface="+mn-ea"/>
+                <a:cs typeface="+mn-cs"/>
+              </a:defRPr>
+            </a:lvl2pPr>
+            <a:lvl3pPr marL="857250" indent="-171450" algn="l" defTabSz="685800" rtl="0" eaLnBrk="1" latinLnBrk="0" hangingPunct="1">
+              <a:lnSpc>
+                <a:spcPct val="90000"/>
+              </a:lnSpc>
+              <a:spcBef>
+                <a:spcPts val="375"/>
+              </a:spcBef>
+              <a:buFont typeface="Arial" panose="020B0604020202020204" pitchFamily="34" charset="0"/>
+              <a:buChar char="•"/>
+              <a:defRPr sz="1500" kern="1200">
+                <a:solidFill>
+                  <a:srgbClr val="36544F"/>
+                </a:solidFill>
+                <a:latin typeface="+mn-lt"/>
+                <a:ea typeface="+mn-ea"/>
+                <a:cs typeface="+mn-cs"/>
+              </a:defRPr>
+            </a:lvl3pPr>
+            <a:lvl4pPr marL="1200150" indent="-171450" algn="l" defTabSz="685800" rtl="0" eaLnBrk="1" latinLnBrk="0" hangingPunct="1">
+              <a:lnSpc>
+                <a:spcPct val="90000"/>
+              </a:lnSpc>
+              <a:spcBef>
+                <a:spcPts val="375"/>
+              </a:spcBef>
+              <a:buFont typeface="Arial" panose="020B0604020202020204" pitchFamily="34" charset="0"/>
+              <a:buChar char="•"/>
+              <a:defRPr sz="1350" kern="1200">
+                <a:solidFill>
+                  <a:srgbClr val="36544F"/>
+                </a:solidFill>
+                <a:latin typeface="+mn-lt"/>
+                <a:ea typeface="+mn-ea"/>
+                <a:cs typeface="+mn-cs"/>
+              </a:defRPr>
+            </a:lvl4pPr>
+            <a:lvl5pPr marL="1543050" indent="-171450" algn="l" defTabSz="685800" rtl="0" eaLnBrk="1" latinLnBrk="0" hangingPunct="1">
+              <a:lnSpc>
+                <a:spcPct val="90000"/>
+              </a:lnSpc>
+              <a:spcBef>
+                <a:spcPts val="375"/>
+              </a:spcBef>
+              <a:buFont typeface="Arial" panose="020B0604020202020204" pitchFamily="34" charset="0"/>
+              <a:buChar char="•"/>
+              <a:defRPr sz="1350" kern="1200">
+                <a:solidFill>
+                  <a:srgbClr val="36544F"/>
+                </a:solidFill>
+                <a:latin typeface="+mn-lt"/>
+                <a:ea typeface="+mn-ea"/>
+                <a:cs typeface="+mn-cs"/>
+              </a:defRPr>
+            </a:lvl5pPr>
+            <a:lvl6pPr marL="1885950" indent="-171450" algn="l" defTabSz="685800" rtl="0" eaLnBrk="1" latinLnBrk="0" hangingPunct="1">
+              <a:lnSpc>
+                <a:spcPct val="90000"/>
+              </a:lnSpc>
+              <a:spcBef>
+                <a:spcPts val="375"/>
+              </a:spcBef>
+              <a:buFont typeface="Arial" panose="020B0604020202020204" pitchFamily="34" charset="0"/>
+              <a:buChar char="•"/>
+              <a:defRPr sz="1350" kern="1200">
+                <a:solidFill>
+                  <a:schemeClr val="tx1"/>
+                </a:solidFill>
+                <a:latin typeface="+mn-lt"/>
+                <a:ea typeface="+mn-ea"/>
+                <a:cs typeface="+mn-cs"/>
+              </a:defRPr>
+            </a:lvl6pPr>
+            <a:lvl7pPr marL="2228850" indent="-171450" algn="l" defTabSz="685800" rtl="0" eaLnBrk="1" latinLnBrk="0" hangingPunct="1">
+              <a:lnSpc>
+                <a:spcPct val="90000"/>
+              </a:lnSpc>
+              <a:spcBef>
+                <a:spcPts val="375"/>
+              </a:spcBef>
+              <a:buFont typeface="Arial" panose="020B0604020202020204" pitchFamily="34" charset="0"/>
+              <a:buChar char="•"/>
+              <a:defRPr sz="1350" kern="1200">
+                <a:solidFill>
+                  <a:schemeClr val="tx1"/>
+                </a:solidFill>
+                <a:latin typeface="+mn-lt"/>
+                <a:ea typeface="+mn-ea"/>
+                <a:cs typeface="+mn-cs"/>
+              </a:defRPr>
+            </a:lvl7pPr>
+            <a:lvl8pPr marL="2571750" indent="-171450" algn="l" defTabSz="685800" rtl="0" eaLnBrk="1" latinLnBrk="0" hangingPunct="1">
+              <a:lnSpc>
+                <a:spcPct val="90000"/>
+              </a:lnSpc>
+              <a:spcBef>
+                <a:spcPts val="375"/>
+              </a:spcBef>
+              <a:buFont typeface="Arial" panose="020B0604020202020204" pitchFamily="34" charset="0"/>
+              <a:buChar char="•"/>
+              <a:defRPr sz="1350" kern="1200">
+                <a:solidFill>
+                  <a:schemeClr val="tx1"/>
+                </a:solidFill>
+                <a:latin typeface="+mn-lt"/>
+                <a:ea typeface="+mn-ea"/>
+                <a:cs typeface="+mn-cs"/>
+              </a:defRPr>
+            </a:lvl8pPr>
+            <a:lvl9pPr marL="2914650" indent="-171450" algn="l" defTabSz="685800" rtl="0" eaLnBrk="1" latinLnBrk="0" hangingPunct="1">
+              <a:lnSpc>
+                <a:spcPct val="90000"/>
+              </a:lnSpc>
+              <a:spcBef>
+                <a:spcPts val="375"/>
+              </a:spcBef>
+              <a:buFont typeface="Arial" panose="020B0604020202020204" pitchFamily="34" charset="0"/>
+              <a:buChar char="•"/>
+              <a:defRPr sz="1350" kern="1200">
+                <a:solidFill>
+                  <a:schemeClr val="tx1"/>
+                </a:solidFill>
+                <a:latin typeface="+mn-lt"/>
+                <a:ea typeface="+mn-ea"/>
+                <a:cs typeface="+mn-cs"/>
+              </a:defRPr>
+            </a:lvl9pPr>
+          </a:lstStyle>
+          <a:p>
+            <a:pPr marL="0" indent="0" algn="ctr">
+              <a:lnSpc>
+                <a:spcPct val="120000"/>
+              </a:lnSpc>
+              <a:buNone/>
+            </a:pPr>
+            <a:r>
+              <a:rPr lang="de-DE" dirty="0">
+                <a:solidFill>
+                  <a:srgbClr val="5AB88F"/>
+                </a:solidFill>
+                <a:latin typeface="Source Sans Pro" panose="020B0503030403020204" pitchFamily="34" charset="0"/>
+              </a:rPr>
+              <a:t>Gut</a:t>
+            </a:r>
+            <a:r>
+              <a:rPr lang="de-DE" b="0" dirty="0">
+                <a:solidFill>
+                  <a:srgbClr val="36544F"/>
+                </a:solidFill>
+                <a:latin typeface="Source Sans Pro" panose="020B0503030403020204" pitchFamily="34" charset="0"/>
+              </a:rPr>
+              <a:t>: JavaScript </a:t>
+            </a:r>
+            <a:r>
+              <a:rPr lang="de-DE" dirty="0">
+                <a:solidFill>
+                  <a:srgbClr val="1778B8"/>
+                </a:solidFill>
+                <a:latin typeface="Source Sans Pro" panose="020B0503030403020204" pitchFamily="34" charset="0"/>
+              </a:rPr>
+              <a:t>zur Laufzeit</a:t>
+            </a:r>
+            <a:r>
+              <a:rPr lang="de-DE" b="0" dirty="0">
+                <a:solidFill>
+                  <a:srgbClr val="36544F"/>
+                </a:solidFill>
+                <a:latin typeface="Source Sans Pro" panose="020B0503030403020204" pitchFamily="34" charset="0"/>
+              </a:rPr>
+              <a:t> nur für interaktive Teile im Client ("Islands")</a:t>
+            </a:r>
+          </a:p>
+          <a:p>
+            <a:pPr marL="0" indent="0" algn="ctr">
+              <a:lnSpc>
+                <a:spcPct val="120000"/>
+              </a:lnSpc>
+              <a:buNone/>
+            </a:pPr>
+            <a:endParaRPr lang="de-DE" b="0" dirty="0">
+              <a:solidFill>
+                <a:srgbClr val="9E60B8"/>
+              </a:solidFill>
+              <a:latin typeface="Source Sans Pro" panose="020B0503030403020204" pitchFamily="34" charset="0"/>
+            </a:endParaRPr>
+          </a:p>
+          <a:p>
+            <a:endParaRPr lang="de-DE" b="0" dirty="0">
+              <a:solidFill>
+                <a:srgbClr val="36544F"/>
+              </a:solidFill>
+            </a:endParaRPr>
+          </a:p>
+        </p:txBody>
+      </p:sp>
+      <p:pic>
+        <p:nvPicPr>
+          <p:cNvPr id="6" name="Grafik 5">
+            <a:extLst>
+              <a:ext uri="{FF2B5EF4-FFF2-40B4-BE49-F238E27FC236}">
+                <a16:creationId xmlns:a16="http://schemas.microsoft.com/office/drawing/2014/main" id="{0A1301B5-1720-EFAD-F255-AE13753CED1F}"/>
+              </a:ext>
+            </a:extLst>
+          </p:cNvPr>
+          <p:cNvPicPr>
+            <a:picLocks noChangeAspect="1"/>
+          </p:cNvPicPr>
+          <p:nvPr/>
+        </p:nvPicPr>
+        <p:blipFill>
+          <a:blip r:embed="rId2"/>
+          <a:stretch>
+            <a:fillRect/>
+          </a:stretch>
+        </p:blipFill>
+        <p:spPr>
+          <a:xfrm>
+            <a:off x="3869467" y="1635040"/>
+            <a:ext cx="1405065" cy="2343591"/>
+          </a:xfrm>
+          <a:prstGeom prst="rect">
+            <a:avLst/>
+          </a:prstGeom>
+        </p:spPr>
+      </p:pic>
+    </p:spTree>
+    <p:extLst>
+      <p:ext uri="{BB962C8B-B14F-4D97-AF65-F5344CB8AC3E}">
+        <p14:creationId xmlns:p14="http://schemas.microsoft.com/office/powerpoint/2010/main" val="640805387"/>
+      </p:ext>
+    </p:extLst>
+  </p:cSld>
+  <p:clrMapOvr>
+    <a:masterClrMapping/>
+  </p:clrMapOvr>
+</p:sld>
+</file>
+
+<file path=ppt/slides/slide12.xml><?xml version="1.0" encoding="utf-8"?>
+<p:sld xmlns:a="http://schemas.openxmlformats.org/drawingml/2006/main" xmlns:r="http://schemas.openxmlformats.org/officeDocument/2006/relationships" xmlns:p="http://schemas.openxmlformats.org/presentationml/2006/main">
+  <p:cSld>
+    <p:spTree>
+      <p:nvGrpSpPr>
+        <p:cNvPr id="1" name=""/>
+        <p:cNvGrpSpPr/>
+        <p:nvPr/>
+      </p:nvGrpSpPr>
+      <p:grpSpPr>
+        <a:xfrm>
+          <a:off x="0" y="0"/>
+          <a:ext cx="0" cy="0"/>
+          <a:chOff x="0" y="0"/>
+          <a:chExt cx="0" cy="0"/>
+        </a:xfrm>
+      </p:grpSpPr>
+      <p:sp>
+        <p:nvSpPr>
+          <p:cNvPr id="2" name="Titel 1">
+            <a:extLst>
+              <a:ext uri="{FF2B5EF4-FFF2-40B4-BE49-F238E27FC236}">
+                <a16:creationId xmlns:a16="http://schemas.microsoft.com/office/drawing/2014/main" id="{9AE326C3-B1FE-964D-FB58-A93C7898B942}"/>
+              </a:ext>
+            </a:extLst>
+          </p:cNvPr>
+          <p:cNvSpPr>
+            <a:spLocks noGrp="1"/>
+          </p:cNvSpPr>
+          <p:nvPr>
+            <p:ph type="title"/>
+          </p:nvPr>
+        </p:nvSpPr>
+        <p:spPr/>
+        <p:txBody>
+          <a:bodyPr/>
+          <a:lstStyle/>
+          <a:p>
+            <a:r>
+              <a:rPr lang="de-DE" dirty="0"/>
+              <a:t>von damals bis heute...</a:t>
+            </a:r>
+          </a:p>
+        </p:txBody>
+      </p:sp>
+      <p:sp>
+        <p:nvSpPr>
+          <p:cNvPr id="3" name="Textfeld 2">
+            <a:extLst>
+              <a:ext uri="{FF2B5EF4-FFF2-40B4-BE49-F238E27FC236}">
+                <a16:creationId xmlns:a16="http://schemas.microsoft.com/office/drawing/2014/main" id="{6201B0E7-E3D0-4E23-2524-D2BD5D01149B}"/>
+              </a:ext>
+            </a:extLst>
+          </p:cNvPr>
+          <p:cNvSpPr txBox="1"/>
+          <p:nvPr/>
+        </p:nvSpPr>
+        <p:spPr>
+          <a:xfrm>
+            <a:off x="339911" y="883022"/>
+            <a:ext cx="3395481" cy="461665"/>
+          </a:xfrm>
+          <a:prstGeom prst="rect">
+            <a:avLst/>
+          </a:prstGeom>
+          <a:solidFill>
+            <a:srgbClr val="FFFDF9"/>
+          </a:solidFill>
+          <a:ln w="15875">
+            <a:solidFill>
+              <a:schemeClr val="accent1"/>
+            </a:solidFill>
+          </a:ln>
+          <a:effectLst>
+            <a:outerShdw blurRad="241085" dist="106743" dir="3480000" sx="100928" sy="100928" algn="tl" rotWithShape="0">
+              <a:prstClr val="black">
+                <a:alpha val="32000"/>
+              </a:prstClr>
+            </a:outerShdw>
+          </a:effectLst>
+        </p:spPr>
+        <p:txBody>
+          <a:bodyPr wrap="none" rtlCol="0">
+            <a:spAutoFit/>
+          </a:bodyPr>
+          <a:lstStyle/>
+          <a:p>
+            <a:pPr algn="l"/>
+            <a:r>
+              <a:rPr lang="de-DE" sz="2400" b="1" dirty="0" err="1">
+                <a:solidFill>
+                  <a:srgbClr val="36544F"/>
+                </a:solidFill>
+                <a:latin typeface="Source Sans Pro SemiBold" panose="020B0503030403020204" pitchFamily="34" charset="0"/>
+              </a:rPr>
+              <a:t>Fullstack</a:t>
+            </a:r>
+            <a:r>
+              <a:rPr lang="de-DE" sz="2400" b="1" dirty="0">
+                <a:solidFill>
+                  <a:srgbClr val="36544F"/>
+                </a:solidFill>
+                <a:latin typeface="Source Sans Pro SemiBold" panose="020B0503030403020204" pitchFamily="34" charset="0"/>
+              </a:rPr>
+              <a:t>-Anwendungen</a:t>
+            </a:r>
+          </a:p>
+        </p:txBody>
+      </p:sp>
+      <p:sp>
+        <p:nvSpPr>
+          <p:cNvPr id="4" name="Inhaltsplatzhalter 2">
+            <a:extLst>
+              <a:ext uri="{FF2B5EF4-FFF2-40B4-BE49-F238E27FC236}">
+                <a16:creationId xmlns:a16="http://schemas.microsoft.com/office/drawing/2014/main" id="{34B3AD56-5280-2DFF-59D9-A8CFF7147DC7}"/>
+              </a:ext>
+            </a:extLst>
+          </p:cNvPr>
+          <p:cNvSpPr txBox="1">
+            <a:spLocks/>
+          </p:cNvSpPr>
+          <p:nvPr/>
+        </p:nvSpPr>
+        <p:spPr>
+          <a:xfrm>
+            <a:off x="0" y="4047893"/>
+            <a:ext cx="9144000" cy="1249031"/>
+          </a:xfrm>
+          <a:prstGeom prst="rect">
+            <a:avLst/>
+          </a:prstGeom>
+        </p:spPr>
+        <p:txBody>
+          <a:bodyPr vert="horz" lIns="91440" tIns="45720" rIns="91440" bIns="45720" rtlCol="0">
+            <a:normAutofit/>
+          </a:bodyPr>
+          <a:lstStyle>
+            <a:lvl1pPr marL="171450" indent="-171450" algn="l" defTabSz="685800" rtl="0" eaLnBrk="1" latinLnBrk="0" hangingPunct="1">
+              <a:lnSpc>
+                <a:spcPct val="90000"/>
+              </a:lnSpc>
+              <a:spcBef>
+                <a:spcPts val="750"/>
+              </a:spcBef>
+              <a:buFont typeface="Arial" panose="020B0604020202020204" pitchFamily="34" charset="0"/>
+              <a:buChar char="•"/>
+              <a:defRPr sz="2100" b="1" kern="1200">
+                <a:solidFill>
+                  <a:srgbClr val="FB8E20"/>
+                </a:solidFill>
+                <a:latin typeface="+mn-lt"/>
+                <a:ea typeface="+mn-ea"/>
+                <a:cs typeface="+mn-cs"/>
+              </a:defRPr>
+            </a:lvl1pPr>
+            <a:lvl2pPr marL="514350" indent="-171450" algn="l" defTabSz="685800" rtl="0" eaLnBrk="1" latinLnBrk="0" hangingPunct="1">
+              <a:lnSpc>
+                <a:spcPct val="90000"/>
+              </a:lnSpc>
+              <a:spcBef>
+                <a:spcPts val="375"/>
+              </a:spcBef>
+              <a:buFont typeface="Arial" panose="020B0604020202020204" pitchFamily="34" charset="0"/>
+              <a:buChar char="•"/>
+              <a:defRPr sz="1800" kern="1200">
+                <a:solidFill>
+                  <a:srgbClr val="36544F"/>
+                </a:solidFill>
+                <a:latin typeface="+mn-lt"/>
+                <a:ea typeface="+mn-ea"/>
+                <a:cs typeface="+mn-cs"/>
+              </a:defRPr>
+            </a:lvl2pPr>
+            <a:lvl3pPr marL="857250" indent="-171450" algn="l" defTabSz="685800" rtl="0" eaLnBrk="1" latinLnBrk="0" hangingPunct="1">
+              <a:lnSpc>
+                <a:spcPct val="90000"/>
+              </a:lnSpc>
+              <a:spcBef>
+                <a:spcPts val="375"/>
+              </a:spcBef>
+              <a:buFont typeface="Arial" panose="020B0604020202020204" pitchFamily="34" charset="0"/>
+              <a:buChar char="•"/>
+              <a:defRPr sz="1500" kern="1200">
+                <a:solidFill>
+                  <a:srgbClr val="36544F"/>
+                </a:solidFill>
+                <a:latin typeface="+mn-lt"/>
+                <a:ea typeface="+mn-ea"/>
+                <a:cs typeface="+mn-cs"/>
+              </a:defRPr>
+            </a:lvl3pPr>
+            <a:lvl4pPr marL="1200150" indent="-171450" algn="l" defTabSz="685800" rtl="0" eaLnBrk="1" latinLnBrk="0" hangingPunct="1">
+              <a:lnSpc>
+                <a:spcPct val="90000"/>
+              </a:lnSpc>
+              <a:spcBef>
+                <a:spcPts val="375"/>
+              </a:spcBef>
+              <a:buFont typeface="Arial" panose="020B0604020202020204" pitchFamily="34" charset="0"/>
+              <a:buChar char="•"/>
+              <a:defRPr sz="1350" kern="1200">
+                <a:solidFill>
+                  <a:srgbClr val="36544F"/>
+                </a:solidFill>
+                <a:latin typeface="+mn-lt"/>
+                <a:ea typeface="+mn-ea"/>
+                <a:cs typeface="+mn-cs"/>
+              </a:defRPr>
+            </a:lvl4pPr>
+            <a:lvl5pPr marL="1543050" indent="-171450" algn="l" defTabSz="685800" rtl="0" eaLnBrk="1" latinLnBrk="0" hangingPunct="1">
+              <a:lnSpc>
+                <a:spcPct val="90000"/>
+              </a:lnSpc>
+              <a:spcBef>
+                <a:spcPts val="375"/>
+              </a:spcBef>
+              <a:buFont typeface="Arial" panose="020B0604020202020204" pitchFamily="34" charset="0"/>
+              <a:buChar char="•"/>
+              <a:defRPr sz="1350" kern="1200">
+                <a:solidFill>
+                  <a:srgbClr val="36544F"/>
+                </a:solidFill>
+                <a:latin typeface="+mn-lt"/>
+                <a:ea typeface="+mn-ea"/>
+                <a:cs typeface="+mn-cs"/>
+              </a:defRPr>
+            </a:lvl5pPr>
+            <a:lvl6pPr marL="1885950" indent="-171450" algn="l" defTabSz="685800" rtl="0" eaLnBrk="1" latinLnBrk="0" hangingPunct="1">
+              <a:lnSpc>
+                <a:spcPct val="90000"/>
+              </a:lnSpc>
+              <a:spcBef>
+                <a:spcPts val="375"/>
+              </a:spcBef>
+              <a:buFont typeface="Arial" panose="020B0604020202020204" pitchFamily="34" charset="0"/>
+              <a:buChar char="•"/>
+              <a:defRPr sz="1350" kern="1200">
+                <a:solidFill>
+                  <a:schemeClr val="tx1"/>
+                </a:solidFill>
+                <a:latin typeface="+mn-lt"/>
+                <a:ea typeface="+mn-ea"/>
+                <a:cs typeface="+mn-cs"/>
+              </a:defRPr>
+            </a:lvl6pPr>
+            <a:lvl7pPr marL="2228850" indent="-171450" algn="l" defTabSz="685800" rtl="0" eaLnBrk="1" latinLnBrk="0" hangingPunct="1">
+              <a:lnSpc>
+                <a:spcPct val="90000"/>
+              </a:lnSpc>
+              <a:spcBef>
+                <a:spcPts val="375"/>
+              </a:spcBef>
+              <a:buFont typeface="Arial" panose="020B0604020202020204" pitchFamily="34" charset="0"/>
+              <a:buChar char="•"/>
+              <a:defRPr sz="1350" kern="1200">
+                <a:solidFill>
+                  <a:schemeClr val="tx1"/>
+                </a:solidFill>
+                <a:latin typeface="+mn-lt"/>
+                <a:ea typeface="+mn-ea"/>
+                <a:cs typeface="+mn-cs"/>
+              </a:defRPr>
+            </a:lvl7pPr>
+            <a:lvl8pPr marL="2571750" indent="-171450" algn="l" defTabSz="685800" rtl="0" eaLnBrk="1" latinLnBrk="0" hangingPunct="1">
+              <a:lnSpc>
+                <a:spcPct val="90000"/>
+              </a:lnSpc>
+              <a:spcBef>
+                <a:spcPts val="375"/>
+              </a:spcBef>
+              <a:buFont typeface="Arial" panose="020B0604020202020204" pitchFamily="34" charset="0"/>
+              <a:buChar char="•"/>
+              <a:defRPr sz="1350" kern="1200">
+                <a:solidFill>
+                  <a:schemeClr val="tx1"/>
+                </a:solidFill>
+                <a:latin typeface="+mn-lt"/>
+                <a:ea typeface="+mn-ea"/>
+                <a:cs typeface="+mn-cs"/>
+              </a:defRPr>
+            </a:lvl8pPr>
+            <a:lvl9pPr marL="2914650" indent="-171450" algn="l" defTabSz="685800" rtl="0" eaLnBrk="1" latinLnBrk="0" hangingPunct="1">
+              <a:lnSpc>
+                <a:spcPct val="90000"/>
+              </a:lnSpc>
+              <a:spcBef>
+                <a:spcPts val="375"/>
+              </a:spcBef>
+              <a:buFont typeface="Arial" panose="020B0604020202020204" pitchFamily="34" charset="0"/>
+              <a:buChar char="•"/>
+              <a:defRPr sz="1350" kern="1200">
+                <a:solidFill>
+                  <a:schemeClr val="tx1"/>
+                </a:solidFill>
+                <a:latin typeface="+mn-lt"/>
+                <a:ea typeface="+mn-ea"/>
+                <a:cs typeface="+mn-cs"/>
+              </a:defRPr>
+            </a:lvl9pPr>
+          </a:lstStyle>
+          <a:p>
+            <a:pPr marL="0" indent="0" algn="ctr">
+              <a:lnSpc>
+                <a:spcPct val="120000"/>
+              </a:lnSpc>
+              <a:buNone/>
+            </a:pPr>
+            <a:r>
               <a:rPr lang="de-DE" dirty="0">
                 <a:solidFill>
                   <a:srgbClr val="9E60B8"/>
@@ -4680,7 +5494,7 @@
 </p:sld>
 </file>
 
-<file path=ppt/slides/slide11.xml><?xml version="1.0" encoding="utf-8"?>
+<file path=ppt/slides/slide13.xml><?xml version="1.0" encoding="utf-8"?>
 <p:sld xmlns:a="http://schemas.openxmlformats.org/drawingml/2006/main" xmlns:r="http://schemas.openxmlformats.org/officeDocument/2006/relationships" xmlns:p="http://schemas.openxmlformats.org/presentationml/2006/main">
   <p:cSld>
     <p:spTree>
@@ -5080,7 +5894,7 @@
 </p:sld>
 </file>
 
-<file path=ppt/slides/slide12.xml><?xml version="1.0" encoding="utf-8"?>
+<file path=ppt/slides/slide14.xml><?xml version="1.0" encoding="utf-8"?>
 <p:sld xmlns:a="http://schemas.openxmlformats.org/drawingml/2006/main" xmlns:r="http://schemas.openxmlformats.org/officeDocument/2006/relationships" xmlns:p="http://schemas.openxmlformats.org/presentationml/2006/main">
   <p:cSld>
     <p:spTree>
@@ -5862,6 +6676,156 @@
           <a:chExt cx="0" cy="0"/>
         </a:xfrm>
       </p:grpSpPr>
+      <p:pic>
+        <p:nvPicPr>
+          <p:cNvPr id="4" name="Grafik 3">
+            <a:extLst>
+              <a:ext uri="{FF2B5EF4-FFF2-40B4-BE49-F238E27FC236}">
+                <a16:creationId xmlns:a16="http://schemas.microsoft.com/office/drawing/2014/main" id="{23074A99-EAE3-D6CF-3C91-F7F423F5D433}"/>
+              </a:ext>
+            </a:extLst>
+          </p:cNvPr>
+          <p:cNvPicPr>
+            <a:picLocks noChangeAspect="1"/>
+          </p:cNvPicPr>
+          <p:nvPr/>
+        </p:nvPicPr>
+        <p:blipFill>
+          <a:blip r:embed="rId2"/>
+          <a:stretch>
+            <a:fillRect/>
+          </a:stretch>
+        </p:blipFill>
+        <p:spPr>
+          <a:xfrm>
+            <a:off x="105373" y="438615"/>
+            <a:ext cx="8933253" cy="2894024"/>
+          </a:xfrm>
+          <a:prstGeom prst="rect">
+            <a:avLst/>
+          </a:prstGeom>
+        </p:spPr>
+      </p:pic>
+    </p:spTree>
+    <p:extLst>
+      <p:ext uri="{BB962C8B-B14F-4D97-AF65-F5344CB8AC3E}">
+        <p14:creationId xmlns:p14="http://schemas.microsoft.com/office/powerpoint/2010/main" val="2805668734"/>
+      </p:ext>
+    </p:extLst>
+  </p:cSld>
+  <p:clrMapOvr>
+    <a:masterClrMapping/>
+  </p:clrMapOvr>
+</p:sld>
+</file>
+
+<file path=ppt/slides/slide3.xml><?xml version="1.0" encoding="utf-8"?>
+<p:sld xmlns:a="http://schemas.openxmlformats.org/drawingml/2006/main" xmlns:r="http://schemas.openxmlformats.org/officeDocument/2006/relationships" xmlns:p="http://schemas.openxmlformats.org/presentationml/2006/main">
+  <p:cSld>
+    <p:spTree>
+      <p:nvGrpSpPr>
+        <p:cNvPr id="1" name=""/>
+        <p:cNvGrpSpPr/>
+        <p:nvPr/>
+      </p:nvGrpSpPr>
+      <p:grpSpPr>
+        <a:xfrm>
+          <a:off x="0" y="0"/>
+          <a:ext cx="0" cy="0"/>
+          <a:chOff x="0" y="0"/>
+          <a:chExt cx="0" cy="0"/>
+        </a:xfrm>
+      </p:grpSpPr>
+      <p:pic>
+        <p:nvPicPr>
+          <p:cNvPr id="4" name="Grafik 3">
+            <a:extLst>
+              <a:ext uri="{FF2B5EF4-FFF2-40B4-BE49-F238E27FC236}">
+                <a16:creationId xmlns:a16="http://schemas.microsoft.com/office/drawing/2014/main" id="{464146EF-8BFE-14C8-0F27-63C5DA471168}"/>
+              </a:ext>
+            </a:extLst>
+          </p:cNvPr>
+          <p:cNvPicPr>
+            <a:picLocks noChangeAspect="1"/>
+          </p:cNvPicPr>
+          <p:nvPr/>
+        </p:nvPicPr>
+        <p:blipFill>
+          <a:blip r:embed="rId2"/>
+          <a:stretch>
+            <a:fillRect/>
+          </a:stretch>
+        </p:blipFill>
+        <p:spPr>
+          <a:xfrm>
+            <a:off x="967368" y="345511"/>
+            <a:ext cx="7209263" cy="2931877"/>
+          </a:xfrm>
+          <a:prstGeom prst="rect">
+            <a:avLst/>
+          </a:prstGeom>
+        </p:spPr>
+      </p:pic>
+      <p:pic>
+        <p:nvPicPr>
+          <p:cNvPr id="5" name="Grafik 4">
+            <a:extLst>
+              <a:ext uri="{FF2B5EF4-FFF2-40B4-BE49-F238E27FC236}">
+                <a16:creationId xmlns:a16="http://schemas.microsoft.com/office/drawing/2014/main" id="{1EC776C3-7415-2452-9E59-BF8FA3508EB9}"/>
+              </a:ext>
+            </a:extLst>
+          </p:cNvPr>
+          <p:cNvPicPr>
+            <a:picLocks noChangeAspect="1"/>
+          </p:cNvPicPr>
+          <p:nvPr/>
+        </p:nvPicPr>
+        <p:blipFill>
+          <a:blip r:embed="rId3"/>
+          <a:stretch>
+            <a:fillRect/>
+          </a:stretch>
+        </p:blipFill>
+        <p:spPr>
+          <a:xfrm>
+            <a:off x="685799" y="3567954"/>
+            <a:ext cx="7772400" cy="1230035"/>
+          </a:xfrm>
+          <a:prstGeom prst="rect">
+            <a:avLst/>
+          </a:prstGeom>
+        </p:spPr>
+      </p:pic>
+    </p:spTree>
+    <p:extLst>
+      <p:ext uri="{BB962C8B-B14F-4D97-AF65-F5344CB8AC3E}">
+        <p14:creationId xmlns:p14="http://schemas.microsoft.com/office/powerpoint/2010/main" val="3839420062"/>
+      </p:ext>
+    </p:extLst>
+  </p:cSld>
+  <p:clrMapOvr>
+    <a:masterClrMapping/>
+  </p:clrMapOvr>
+</p:sld>
+</file>
+
+<file path=ppt/slides/slide4.xml><?xml version="1.0" encoding="utf-8"?>
+<p:sld xmlns:a="http://schemas.openxmlformats.org/drawingml/2006/main" xmlns:r="http://schemas.openxmlformats.org/officeDocument/2006/relationships" xmlns:p="http://schemas.openxmlformats.org/presentationml/2006/main">
+  <p:cSld>
+    <p:spTree>
+      <p:nvGrpSpPr>
+        <p:cNvPr id="1" name=""/>
+        <p:cNvGrpSpPr/>
+        <p:nvPr/>
+      </p:nvGrpSpPr>
+      <p:grpSpPr>
+        <a:xfrm>
+          <a:off x="0" y="0"/>
+          <a:ext cx="0" cy="0"/>
+          <a:chOff x="0" y="0"/>
+          <a:chExt cx="0" cy="0"/>
+        </a:xfrm>
+      </p:grpSpPr>
       <p:sp>
         <p:nvSpPr>
           <p:cNvPr id="2" name="Titel 1">
@@ -6443,7 +7407,7 @@
 </p:sld>
 </file>
 
-<file path=ppt/slides/slide3.xml><?xml version="1.0" encoding="utf-8"?>
+<file path=ppt/slides/slide5.xml><?xml version="1.0" encoding="utf-8"?>
 <p:sld xmlns:a="http://schemas.openxmlformats.org/drawingml/2006/main" xmlns:r="http://schemas.openxmlformats.org/officeDocument/2006/relationships" xmlns:p="http://schemas.openxmlformats.org/presentationml/2006/main">
   <p:cSld>
     <p:spTree>
@@ -7041,7 +8005,7 @@
 </p:sld>
 </file>
 
-<file path=ppt/slides/slide4.xml><?xml version="1.0" encoding="utf-8"?>
+<file path=ppt/slides/slide6.xml><?xml version="1.0" encoding="utf-8"?>
 <p:sld xmlns:a="http://schemas.openxmlformats.org/drawingml/2006/main" xmlns:r="http://schemas.openxmlformats.org/officeDocument/2006/relationships" xmlns:p="http://schemas.openxmlformats.org/presentationml/2006/main">
   <p:cSld>
     <p:spTree>
@@ -7424,7 +8388,7 @@
 </p:sld>
 </file>
 
-<file path=ppt/slides/slide5.xml><?xml version="1.0" encoding="utf-8"?>
+<file path=ppt/slides/slide7.xml><?xml version="1.0" encoding="utf-8"?>
 <p:sld xmlns:a="http://schemas.openxmlformats.org/drawingml/2006/main" xmlns:r="http://schemas.openxmlformats.org/officeDocument/2006/relationships" xmlns:p="http://schemas.openxmlformats.org/presentationml/2006/main">
   <p:cSld>
     <p:spTree>
@@ -7798,7 +8762,7 @@
 </p:sld>
 </file>
 
-<file path=ppt/slides/slide6.xml><?xml version="1.0" encoding="utf-8"?>
+<file path=ppt/slides/slide8.xml><?xml version="1.0" encoding="utf-8"?>
 <p:sld xmlns:a="http://schemas.openxmlformats.org/drawingml/2006/main" xmlns:r="http://schemas.openxmlformats.org/officeDocument/2006/relationships" xmlns:p="http://schemas.openxmlformats.org/presentationml/2006/main">
   <p:cSld>
     <p:spTree>
@@ -8181,7 +9145,7 @@
 </p:sld>
 </file>
 
-<file path=ppt/slides/slide7.xml><?xml version="1.0" encoding="utf-8"?>
+<file path=ppt/slides/slide9.xml><?xml version="1.0" encoding="utf-8"?>
 <p:sld xmlns:a="http://schemas.openxmlformats.org/drawingml/2006/main" xmlns:r="http://schemas.openxmlformats.org/officeDocument/2006/relationships" xmlns:p="http://schemas.openxmlformats.org/presentationml/2006/main">
   <p:cSld>
     <p:spTree>
@@ -8555,816 +9519,6 @@
     <p:extLst>
       <p:ext uri="{BB962C8B-B14F-4D97-AF65-F5344CB8AC3E}">
         <p14:creationId xmlns:p14="http://schemas.microsoft.com/office/powerpoint/2010/main" val="2377680354"/>
-      </p:ext>
-    </p:extLst>
-  </p:cSld>
-  <p:clrMapOvr>
-    <a:masterClrMapping/>
-  </p:clrMapOvr>
-</p:sld>
-</file>
-
-<file path=ppt/slides/slide8.xml><?xml version="1.0" encoding="utf-8"?>
-<p:sld xmlns:a="http://schemas.openxmlformats.org/drawingml/2006/main" xmlns:r="http://schemas.openxmlformats.org/officeDocument/2006/relationships" xmlns:p="http://schemas.openxmlformats.org/presentationml/2006/main">
-  <p:cSld>
-    <p:spTree>
-      <p:nvGrpSpPr>
-        <p:cNvPr id="1" name=""/>
-        <p:cNvGrpSpPr/>
-        <p:nvPr/>
-      </p:nvGrpSpPr>
-      <p:grpSpPr>
-        <a:xfrm>
-          <a:off x="0" y="0"/>
-          <a:ext cx="0" cy="0"/>
-          <a:chOff x="0" y="0"/>
-          <a:chExt cx="0" cy="0"/>
-        </a:xfrm>
-      </p:grpSpPr>
-      <p:sp>
-        <p:nvSpPr>
-          <p:cNvPr id="2" name="Titel 1">
-            <a:extLst>
-              <a:ext uri="{FF2B5EF4-FFF2-40B4-BE49-F238E27FC236}">
-                <a16:creationId xmlns:a16="http://schemas.microsoft.com/office/drawing/2014/main" id="{9AE326C3-B1FE-964D-FB58-A93C7898B942}"/>
-              </a:ext>
-            </a:extLst>
-          </p:cNvPr>
-          <p:cNvSpPr>
-            <a:spLocks noGrp="1"/>
-          </p:cNvSpPr>
-          <p:nvPr>
-            <p:ph type="title"/>
-          </p:nvPr>
-        </p:nvSpPr>
-        <p:spPr/>
-        <p:txBody>
-          <a:bodyPr/>
-          <a:lstStyle/>
-          <a:p>
-            <a:r>
-              <a:rPr lang="de-DE" dirty="0"/>
-              <a:t>von damals bis heute...</a:t>
-            </a:r>
-          </a:p>
-        </p:txBody>
-      </p:sp>
-      <p:sp>
-        <p:nvSpPr>
-          <p:cNvPr id="3" name="Textfeld 2">
-            <a:extLst>
-              <a:ext uri="{FF2B5EF4-FFF2-40B4-BE49-F238E27FC236}">
-                <a16:creationId xmlns:a16="http://schemas.microsoft.com/office/drawing/2014/main" id="{6201B0E7-E3D0-4E23-2524-D2BD5D01149B}"/>
-              </a:ext>
-            </a:extLst>
-          </p:cNvPr>
-          <p:cNvSpPr txBox="1"/>
-          <p:nvPr/>
-        </p:nvSpPr>
-        <p:spPr>
-          <a:xfrm>
-            <a:off x="339911" y="883022"/>
-            <a:ext cx="3395481" cy="461665"/>
-          </a:xfrm>
-          <a:prstGeom prst="rect">
-            <a:avLst/>
-          </a:prstGeom>
-          <a:solidFill>
-            <a:srgbClr val="FFFDF9"/>
-          </a:solidFill>
-          <a:ln w="15875">
-            <a:solidFill>
-              <a:schemeClr val="accent1"/>
-            </a:solidFill>
-          </a:ln>
-          <a:effectLst>
-            <a:outerShdw blurRad="241085" dist="106743" dir="3480000" sx="100928" sy="100928" algn="tl" rotWithShape="0">
-              <a:prstClr val="black">
-                <a:alpha val="32000"/>
-              </a:prstClr>
-            </a:outerShdw>
-          </a:effectLst>
-        </p:spPr>
-        <p:txBody>
-          <a:bodyPr wrap="none" rtlCol="0">
-            <a:spAutoFit/>
-          </a:bodyPr>
-          <a:lstStyle/>
-          <a:p>
-            <a:pPr algn="l"/>
-            <a:r>
-              <a:rPr lang="de-DE" sz="2400" b="1" dirty="0" err="1">
-                <a:solidFill>
-                  <a:srgbClr val="36544F"/>
-                </a:solidFill>
-                <a:latin typeface="Source Sans Pro SemiBold" panose="020B0503030403020204" pitchFamily="34" charset="0"/>
-              </a:rPr>
-              <a:t>Fullstack</a:t>
-            </a:r>
-            <a:r>
-              <a:rPr lang="de-DE" sz="2400" b="1" dirty="0">
-                <a:solidFill>
-                  <a:srgbClr val="36544F"/>
-                </a:solidFill>
-                <a:latin typeface="Source Sans Pro SemiBold" panose="020B0503030403020204" pitchFamily="34" charset="0"/>
-              </a:rPr>
-              <a:t>-Anwendungen</a:t>
-            </a:r>
-          </a:p>
-        </p:txBody>
-      </p:sp>
-      <p:sp>
-        <p:nvSpPr>
-          <p:cNvPr id="4" name="Inhaltsplatzhalter 2">
-            <a:extLst>
-              <a:ext uri="{FF2B5EF4-FFF2-40B4-BE49-F238E27FC236}">
-                <a16:creationId xmlns:a16="http://schemas.microsoft.com/office/drawing/2014/main" id="{34B3AD56-5280-2DFF-59D9-A8CFF7147DC7}"/>
-              </a:ext>
-            </a:extLst>
-          </p:cNvPr>
-          <p:cNvSpPr txBox="1">
-            <a:spLocks/>
-          </p:cNvSpPr>
-          <p:nvPr/>
-        </p:nvSpPr>
-        <p:spPr>
-          <a:xfrm>
-            <a:off x="0" y="4047893"/>
-            <a:ext cx="9144000" cy="1249031"/>
-          </a:xfrm>
-          <a:prstGeom prst="rect">
-            <a:avLst/>
-          </a:prstGeom>
-        </p:spPr>
-        <p:txBody>
-          <a:bodyPr vert="horz" lIns="91440" tIns="45720" rIns="91440" bIns="45720" rtlCol="0">
-            <a:normAutofit/>
-          </a:bodyPr>
-          <a:lstStyle>
-            <a:lvl1pPr marL="171450" indent="-171450" algn="l" defTabSz="685800" rtl="0" eaLnBrk="1" latinLnBrk="0" hangingPunct="1">
-              <a:lnSpc>
-                <a:spcPct val="90000"/>
-              </a:lnSpc>
-              <a:spcBef>
-                <a:spcPts val="750"/>
-              </a:spcBef>
-              <a:buFont typeface="Arial" panose="020B0604020202020204" pitchFamily="34" charset="0"/>
-              <a:buChar char="•"/>
-              <a:defRPr sz="2100" b="1" kern="1200">
-                <a:solidFill>
-                  <a:srgbClr val="FB8E20"/>
-                </a:solidFill>
-                <a:latin typeface="+mn-lt"/>
-                <a:ea typeface="+mn-ea"/>
-                <a:cs typeface="+mn-cs"/>
-              </a:defRPr>
-            </a:lvl1pPr>
-            <a:lvl2pPr marL="514350" indent="-171450" algn="l" defTabSz="685800" rtl="0" eaLnBrk="1" latinLnBrk="0" hangingPunct="1">
-              <a:lnSpc>
-                <a:spcPct val="90000"/>
-              </a:lnSpc>
-              <a:spcBef>
-                <a:spcPts val="375"/>
-              </a:spcBef>
-              <a:buFont typeface="Arial" panose="020B0604020202020204" pitchFamily="34" charset="0"/>
-              <a:buChar char="•"/>
-              <a:defRPr sz="1800" kern="1200">
-                <a:solidFill>
-                  <a:srgbClr val="36544F"/>
-                </a:solidFill>
-                <a:latin typeface="+mn-lt"/>
-                <a:ea typeface="+mn-ea"/>
-                <a:cs typeface="+mn-cs"/>
-              </a:defRPr>
-            </a:lvl2pPr>
-            <a:lvl3pPr marL="857250" indent="-171450" algn="l" defTabSz="685800" rtl="0" eaLnBrk="1" latinLnBrk="0" hangingPunct="1">
-              <a:lnSpc>
-                <a:spcPct val="90000"/>
-              </a:lnSpc>
-              <a:spcBef>
-                <a:spcPts val="375"/>
-              </a:spcBef>
-              <a:buFont typeface="Arial" panose="020B0604020202020204" pitchFamily="34" charset="0"/>
-              <a:buChar char="•"/>
-              <a:defRPr sz="1500" kern="1200">
-                <a:solidFill>
-                  <a:srgbClr val="36544F"/>
-                </a:solidFill>
-                <a:latin typeface="+mn-lt"/>
-                <a:ea typeface="+mn-ea"/>
-                <a:cs typeface="+mn-cs"/>
-              </a:defRPr>
-            </a:lvl3pPr>
-            <a:lvl4pPr marL="1200150" indent="-171450" algn="l" defTabSz="685800" rtl="0" eaLnBrk="1" latinLnBrk="0" hangingPunct="1">
-              <a:lnSpc>
-                <a:spcPct val="90000"/>
-              </a:lnSpc>
-              <a:spcBef>
-                <a:spcPts val="375"/>
-              </a:spcBef>
-              <a:buFont typeface="Arial" panose="020B0604020202020204" pitchFamily="34" charset="0"/>
-              <a:buChar char="•"/>
-              <a:defRPr sz="1350" kern="1200">
-                <a:solidFill>
-                  <a:srgbClr val="36544F"/>
-                </a:solidFill>
-                <a:latin typeface="+mn-lt"/>
-                <a:ea typeface="+mn-ea"/>
-                <a:cs typeface="+mn-cs"/>
-              </a:defRPr>
-            </a:lvl4pPr>
-            <a:lvl5pPr marL="1543050" indent="-171450" algn="l" defTabSz="685800" rtl="0" eaLnBrk="1" latinLnBrk="0" hangingPunct="1">
-              <a:lnSpc>
-                <a:spcPct val="90000"/>
-              </a:lnSpc>
-              <a:spcBef>
-                <a:spcPts val="375"/>
-              </a:spcBef>
-              <a:buFont typeface="Arial" panose="020B0604020202020204" pitchFamily="34" charset="0"/>
-              <a:buChar char="•"/>
-              <a:defRPr sz="1350" kern="1200">
-                <a:solidFill>
-                  <a:srgbClr val="36544F"/>
-                </a:solidFill>
-                <a:latin typeface="+mn-lt"/>
-                <a:ea typeface="+mn-ea"/>
-                <a:cs typeface="+mn-cs"/>
-              </a:defRPr>
-            </a:lvl5pPr>
-            <a:lvl6pPr marL="1885950" indent="-171450" algn="l" defTabSz="685800" rtl="0" eaLnBrk="1" latinLnBrk="0" hangingPunct="1">
-              <a:lnSpc>
-                <a:spcPct val="90000"/>
-              </a:lnSpc>
-              <a:spcBef>
-                <a:spcPts val="375"/>
-              </a:spcBef>
-              <a:buFont typeface="Arial" panose="020B0604020202020204" pitchFamily="34" charset="0"/>
-              <a:buChar char="•"/>
-              <a:defRPr sz="1350" kern="1200">
-                <a:solidFill>
-                  <a:schemeClr val="tx1"/>
-                </a:solidFill>
-                <a:latin typeface="+mn-lt"/>
-                <a:ea typeface="+mn-ea"/>
-                <a:cs typeface="+mn-cs"/>
-              </a:defRPr>
-            </a:lvl6pPr>
-            <a:lvl7pPr marL="2228850" indent="-171450" algn="l" defTabSz="685800" rtl="0" eaLnBrk="1" latinLnBrk="0" hangingPunct="1">
-              <a:lnSpc>
-                <a:spcPct val="90000"/>
-              </a:lnSpc>
-              <a:spcBef>
-                <a:spcPts val="375"/>
-              </a:spcBef>
-              <a:buFont typeface="Arial" panose="020B0604020202020204" pitchFamily="34" charset="0"/>
-              <a:buChar char="•"/>
-              <a:defRPr sz="1350" kern="1200">
-                <a:solidFill>
-                  <a:schemeClr val="tx1"/>
-                </a:solidFill>
-                <a:latin typeface="+mn-lt"/>
-                <a:ea typeface="+mn-ea"/>
-                <a:cs typeface="+mn-cs"/>
-              </a:defRPr>
-            </a:lvl7pPr>
-            <a:lvl8pPr marL="2571750" indent="-171450" algn="l" defTabSz="685800" rtl="0" eaLnBrk="1" latinLnBrk="0" hangingPunct="1">
-              <a:lnSpc>
-                <a:spcPct val="90000"/>
-              </a:lnSpc>
-              <a:spcBef>
-                <a:spcPts val="375"/>
-              </a:spcBef>
-              <a:buFont typeface="Arial" panose="020B0604020202020204" pitchFamily="34" charset="0"/>
-              <a:buChar char="•"/>
-              <a:defRPr sz="1350" kern="1200">
-                <a:solidFill>
-                  <a:schemeClr val="tx1"/>
-                </a:solidFill>
-                <a:latin typeface="+mn-lt"/>
-                <a:ea typeface="+mn-ea"/>
-                <a:cs typeface="+mn-cs"/>
-              </a:defRPr>
-            </a:lvl8pPr>
-            <a:lvl9pPr marL="2914650" indent="-171450" algn="l" defTabSz="685800" rtl="0" eaLnBrk="1" latinLnBrk="0" hangingPunct="1">
-              <a:lnSpc>
-                <a:spcPct val="90000"/>
-              </a:lnSpc>
-              <a:spcBef>
-                <a:spcPts val="375"/>
-              </a:spcBef>
-              <a:buFont typeface="Arial" panose="020B0604020202020204" pitchFamily="34" charset="0"/>
-              <a:buChar char="•"/>
-              <a:defRPr sz="1350" kern="1200">
-                <a:solidFill>
-                  <a:schemeClr val="tx1"/>
-                </a:solidFill>
-                <a:latin typeface="+mn-lt"/>
-                <a:ea typeface="+mn-ea"/>
-                <a:cs typeface="+mn-cs"/>
-              </a:defRPr>
-            </a:lvl9pPr>
-          </a:lstStyle>
-          <a:p>
-            <a:pPr marL="0" indent="0" algn="ctr">
-              <a:lnSpc>
-                <a:spcPct val="120000"/>
-              </a:lnSpc>
-              <a:buNone/>
-            </a:pPr>
-            <a:r>
-              <a:rPr lang="de-DE" b="0" dirty="0">
-                <a:solidFill>
-                  <a:srgbClr val="36544F"/>
-                </a:solidFill>
-                <a:latin typeface="Source Sans Pro" panose="020B0503030403020204" pitchFamily="34" charset="0"/>
-              </a:rPr>
-              <a:t>Ebenfalls ganz in JavaScript</a:t>
-            </a:r>
-          </a:p>
-          <a:p>
-            <a:pPr marL="0" indent="0" algn="ctr">
-              <a:lnSpc>
-                <a:spcPct val="120000"/>
-              </a:lnSpc>
-              <a:buNone/>
-            </a:pPr>
-            <a:r>
-              <a:rPr lang="de-DE" b="0" dirty="0">
-                <a:solidFill>
-                  <a:srgbClr val="36544F"/>
-                </a:solidFill>
-                <a:latin typeface="Source Sans Pro" panose="020B0503030403020204" pitchFamily="34" charset="0"/>
-              </a:rPr>
-              <a:t>Laufen auf dem Server</a:t>
-            </a:r>
-          </a:p>
-          <a:p>
-            <a:pPr marL="0" indent="0" algn="ctr">
-              <a:lnSpc>
-                <a:spcPct val="120000"/>
-              </a:lnSpc>
-              <a:buNone/>
-            </a:pPr>
-            <a:endParaRPr lang="de-DE" b="0" dirty="0">
-              <a:solidFill>
-                <a:srgbClr val="9E60B8"/>
-              </a:solidFill>
-              <a:latin typeface="Source Sans Pro" panose="020B0503030403020204" pitchFamily="34" charset="0"/>
-            </a:endParaRPr>
-          </a:p>
-          <a:p>
-            <a:endParaRPr lang="de-DE" b="0" dirty="0">
-              <a:solidFill>
-                <a:srgbClr val="36544F"/>
-              </a:solidFill>
-            </a:endParaRPr>
-          </a:p>
-        </p:txBody>
-      </p:sp>
-      <p:pic>
-        <p:nvPicPr>
-          <p:cNvPr id="7" name="Grafik 6">
-            <a:extLst>
-              <a:ext uri="{FF2B5EF4-FFF2-40B4-BE49-F238E27FC236}">
-                <a16:creationId xmlns:a16="http://schemas.microsoft.com/office/drawing/2014/main" id="{C28E6713-F525-2650-1863-02872A83B2FD}"/>
-              </a:ext>
-            </a:extLst>
-          </p:cNvPr>
-          <p:cNvPicPr>
-            <a:picLocks noChangeAspect="1"/>
-          </p:cNvPicPr>
-          <p:nvPr/>
-        </p:nvPicPr>
-        <p:blipFill>
-          <a:blip r:embed="rId2"/>
-          <a:stretch>
-            <a:fillRect/>
-          </a:stretch>
-        </p:blipFill>
-        <p:spPr>
-          <a:xfrm>
-            <a:off x="3869467" y="1635040"/>
-            <a:ext cx="1405065" cy="2343590"/>
-          </a:xfrm>
-          <a:prstGeom prst="rect">
-            <a:avLst/>
-          </a:prstGeom>
-        </p:spPr>
-      </p:pic>
-    </p:spTree>
-    <p:extLst>
-      <p:ext uri="{BB962C8B-B14F-4D97-AF65-F5344CB8AC3E}">
-        <p14:creationId xmlns:p14="http://schemas.microsoft.com/office/powerpoint/2010/main" val="1592445642"/>
-      </p:ext>
-    </p:extLst>
-  </p:cSld>
-  <p:clrMapOvr>
-    <a:masterClrMapping/>
-  </p:clrMapOvr>
-</p:sld>
-</file>
-
-<file path=ppt/slides/slide9.xml><?xml version="1.0" encoding="utf-8"?>
-<p:sld xmlns:a="http://schemas.openxmlformats.org/drawingml/2006/main" xmlns:r="http://schemas.openxmlformats.org/officeDocument/2006/relationships" xmlns:p="http://schemas.openxmlformats.org/presentationml/2006/main">
-  <p:cSld>
-    <p:spTree>
-      <p:nvGrpSpPr>
-        <p:cNvPr id="1" name=""/>
-        <p:cNvGrpSpPr/>
-        <p:nvPr/>
-      </p:nvGrpSpPr>
-      <p:grpSpPr>
-        <a:xfrm>
-          <a:off x="0" y="0"/>
-          <a:ext cx="0" cy="0"/>
-          <a:chOff x="0" y="0"/>
-          <a:chExt cx="0" cy="0"/>
-        </a:xfrm>
-      </p:grpSpPr>
-      <p:sp>
-        <p:nvSpPr>
-          <p:cNvPr id="2" name="Titel 1">
-            <a:extLst>
-              <a:ext uri="{FF2B5EF4-FFF2-40B4-BE49-F238E27FC236}">
-                <a16:creationId xmlns:a16="http://schemas.microsoft.com/office/drawing/2014/main" id="{9AE326C3-B1FE-964D-FB58-A93C7898B942}"/>
-              </a:ext>
-            </a:extLst>
-          </p:cNvPr>
-          <p:cNvSpPr>
-            <a:spLocks noGrp="1"/>
-          </p:cNvSpPr>
-          <p:nvPr>
-            <p:ph type="title"/>
-          </p:nvPr>
-        </p:nvSpPr>
-        <p:spPr/>
-        <p:txBody>
-          <a:bodyPr/>
-          <a:lstStyle/>
-          <a:p>
-            <a:r>
-              <a:rPr lang="de-DE" dirty="0"/>
-              <a:t>von damals bis heute...</a:t>
-            </a:r>
-          </a:p>
-        </p:txBody>
-      </p:sp>
-      <p:sp>
-        <p:nvSpPr>
-          <p:cNvPr id="3" name="Textfeld 2">
-            <a:extLst>
-              <a:ext uri="{FF2B5EF4-FFF2-40B4-BE49-F238E27FC236}">
-                <a16:creationId xmlns:a16="http://schemas.microsoft.com/office/drawing/2014/main" id="{6201B0E7-E3D0-4E23-2524-D2BD5D01149B}"/>
-              </a:ext>
-            </a:extLst>
-          </p:cNvPr>
-          <p:cNvSpPr txBox="1"/>
-          <p:nvPr/>
-        </p:nvSpPr>
-        <p:spPr>
-          <a:xfrm>
-            <a:off x="339911" y="883022"/>
-            <a:ext cx="3395481" cy="461665"/>
-          </a:xfrm>
-          <a:prstGeom prst="rect">
-            <a:avLst/>
-          </a:prstGeom>
-          <a:solidFill>
-            <a:srgbClr val="FFFDF9"/>
-          </a:solidFill>
-          <a:ln w="15875">
-            <a:solidFill>
-              <a:schemeClr val="accent1"/>
-            </a:solidFill>
-          </a:ln>
-          <a:effectLst>
-            <a:outerShdw blurRad="241085" dist="106743" dir="3480000" sx="100928" sy="100928" algn="tl" rotWithShape="0">
-              <a:prstClr val="black">
-                <a:alpha val="32000"/>
-              </a:prstClr>
-            </a:outerShdw>
-          </a:effectLst>
-        </p:spPr>
-        <p:txBody>
-          <a:bodyPr wrap="none" rtlCol="0">
-            <a:spAutoFit/>
-          </a:bodyPr>
-          <a:lstStyle/>
-          <a:p>
-            <a:pPr algn="l"/>
-            <a:r>
-              <a:rPr lang="de-DE" sz="2400" b="1" dirty="0" err="1">
-                <a:solidFill>
-                  <a:srgbClr val="36544F"/>
-                </a:solidFill>
-                <a:latin typeface="Source Sans Pro SemiBold" panose="020B0503030403020204" pitchFamily="34" charset="0"/>
-              </a:rPr>
-              <a:t>Fullstack</a:t>
-            </a:r>
-            <a:r>
-              <a:rPr lang="de-DE" sz="2400" b="1" dirty="0">
-                <a:solidFill>
-                  <a:srgbClr val="36544F"/>
-                </a:solidFill>
-                <a:latin typeface="Source Sans Pro SemiBold" panose="020B0503030403020204" pitchFamily="34" charset="0"/>
-              </a:rPr>
-              <a:t>-Anwendungen</a:t>
-            </a:r>
-          </a:p>
-        </p:txBody>
-      </p:sp>
-      <p:sp>
-        <p:nvSpPr>
-          <p:cNvPr id="4" name="Inhaltsplatzhalter 2">
-            <a:extLst>
-              <a:ext uri="{FF2B5EF4-FFF2-40B4-BE49-F238E27FC236}">
-                <a16:creationId xmlns:a16="http://schemas.microsoft.com/office/drawing/2014/main" id="{34B3AD56-5280-2DFF-59D9-A8CFF7147DC7}"/>
-              </a:ext>
-            </a:extLst>
-          </p:cNvPr>
-          <p:cNvSpPr txBox="1">
-            <a:spLocks/>
-          </p:cNvSpPr>
-          <p:nvPr/>
-        </p:nvSpPr>
-        <p:spPr>
-          <a:xfrm>
-            <a:off x="0" y="4047893"/>
-            <a:ext cx="9144000" cy="1249031"/>
-          </a:xfrm>
-          <a:prstGeom prst="rect">
-            <a:avLst/>
-          </a:prstGeom>
-        </p:spPr>
-        <p:txBody>
-          <a:bodyPr vert="horz" lIns="91440" tIns="45720" rIns="91440" bIns="45720" rtlCol="0">
-            <a:normAutofit/>
-          </a:bodyPr>
-          <a:lstStyle>
-            <a:lvl1pPr marL="171450" indent="-171450" algn="l" defTabSz="685800" rtl="0" eaLnBrk="1" latinLnBrk="0" hangingPunct="1">
-              <a:lnSpc>
-                <a:spcPct val="90000"/>
-              </a:lnSpc>
-              <a:spcBef>
-                <a:spcPts val="750"/>
-              </a:spcBef>
-              <a:buFont typeface="Arial" panose="020B0604020202020204" pitchFamily="34" charset="0"/>
-              <a:buChar char="•"/>
-              <a:defRPr sz="2100" b="1" kern="1200">
-                <a:solidFill>
-                  <a:srgbClr val="FB8E20"/>
-                </a:solidFill>
-                <a:latin typeface="+mn-lt"/>
-                <a:ea typeface="+mn-ea"/>
-                <a:cs typeface="+mn-cs"/>
-              </a:defRPr>
-            </a:lvl1pPr>
-            <a:lvl2pPr marL="514350" indent="-171450" algn="l" defTabSz="685800" rtl="0" eaLnBrk="1" latinLnBrk="0" hangingPunct="1">
-              <a:lnSpc>
-                <a:spcPct val="90000"/>
-              </a:lnSpc>
-              <a:spcBef>
-                <a:spcPts val="375"/>
-              </a:spcBef>
-              <a:buFont typeface="Arial" panose="020B0604020202020204" pitchFamily="34" charset="0"/>
-              <a:buChar char="•"/>
-              <a:defRPr sz="1800" kern="1200">
-                <a:solidFill>
-                  <a:srgbClr val="36544F"/>
-                </a:solidFill>
-                <a:latin typeface="+mn-lt"/>
-                <a:ea typeface="+mn-ea"/>
-                <a:cs typeface="+mn-cs"/>
-              </a:defRPr>
-            </a:lvl2pPr>
-            <a:lvl3pPr marL="857250" indent="-171450" algn="l" defTabSz="685800" rtl="0" eaLnBrk="1" latinLnBrk="0" hangingPunct="1">
-              <a:lnSpc>
-                <a:spcPct val="90000"/>
-              </a:lnSpc>
-              <a:spcBef>
-                <a:spcPts val="375"/>
-              </a:spcBef>
-              <a:buFont typeface="Arial" panose="020B0604020202020204" pitchFamily="34" charset="0"/>
-              <a:buChar char="•"/>
-              <a:defRPr sz="1500" kern="1200">
-                <a:solidFill>
-                  <a:srgbClr val="36544F"/>
-                </a:solidFill>
-                <a:latin typeface="+mn-lt"/>
-                <a:ea typeface="+mn-ea"/>
-                <a:cs typeface="+mn-cs"/>
-              </a:defRPr>
-            </a:lvl3pPr>
-            <a:lvl4pPr marL="1200150" indent="-171450" algn="l" defTabSz="685800" rtl="0" eaLnBrk="1" latinLnBrk="0" hangingPunct="1">
-              <a:lnSpc>
-                <a:spcPct val="90000"/>
-              </a:lnSpc>
-              <a:spcBef>
-                <a:spcPts val="375"/>
-              </a:spcBef>
-              <a:buFont typeface="Arial" panose="020B0604020202020204" pitchFamily="34" charset="0"/>
-              <a:buChar char="•"/>
-              <a:defRPr sz="1350" kern="1200">
-                <a:solidFill>
-                  <a:srgbClr val="36544F"/>
-                </a:solidFill>
-                <a:latin typeface="+mn-lt"/>
-                <a:ea typeface="+mn-ea"/>
-                <a:cs typeface="+mn-cs"/>
-              </a:defRPr>
-            </a:lvl4pPr>
-            <a:lvl5pPr marL="1543050" indent="-171450" algn="l" defTabSz="685800" rtl="0" eaLnBrk="1" latinLnBrk="0" hangingPunct="1">
-              <a:lnSpc>
-                <a:spcPct val="90000"/>
-              </a:lnSpc>
-              <a:spcBef>
-                <a:spcPts val="375"/>
-              </a:spcBef>
-              <a:buFont typeface="Arial" panose="020B0604020202020204" pitchFamily="34" charset="0"/>
-              <a:buChar char="•"/>
-              <a:defRPr sz="1350" kern="1200">
-                <a:solidFill>
-                  <a:srgbClr val="36544F"/>
-                </a:solidFill>
-                <a:latin typeface="+mn-lt"/>
-                <a:ea typeface="+mn-ea"/>
-                <a:cs typeface="+mn-cs"/>
-              </a:defRPr>
-            </a:lvl5pPr>
-            <a:lvl6pPr marL="1885950" indent="-171450" algn="l" defTabSz="685800" rtl="0" eaLnBrk="1" latinLnBrk="0" hangingPunct="1">
-              <a:lnSpc>
-                <a:spcPct val="90000"/>
-              </a:lnSpc>
-              <a:spcBef>
-                <a:spcPts val="375"/>
-              </a:spcBef>
-              <a:buFont typeface="Arial" panose="020B0604020202020204" pitchFamily="34" charset="0"/>
-              <a:buChar char="•"/>
-              <a:defRPr sz="1350" kern="1200">
-                <a:solidFill>
-                  <a:schemeClr val="tx1"/>
-                </a:solidFill>
-                <a:latin typeface="+mn-lt"/>
-                <a:ea typeface="+mn-ea"/>
-                <a:cs typeface="+mn-cs"/>
-              </a:defRPr>
-            </a:lvl6pPr>
-            <a:lvl7pPr marL="2228850" indent="-171450" algn="l" defTabSz="685800" rtl="0" eaLnBrk="1" latinLnBrk="0" hangingPunct="1">
-              <a:lnSpc>
-                <a:spcPct val="90000"/>
-              </a:lnSpc>
-              <a:spcBef>
-                <a:spcPts val="375"/>
-              </a:spcBef>
-              <a:buFont typeface="Arial" panose="020B0604020202020204" pitchFamily="34" charset="0"/>
-              <a:buChar char="•"/>
-              <a:defRPr sz="1350" kern="1200">
-                <a:solidFill>
-                  <a:schemeClr val="tx1"/>
-                </a:solidFill>
-                <a:latin typeface="+mn-lt"/>
-                <a:ea typeface="+mn-ea"/>
-                <a:cs typeface="+mn-cs"/>
-              </a:defRPr>
-            </a:lvl7pPr>
-            <a:lvl8pPr marL="2571750" indent="-171450" algn="l" defTabSz="685800" rtl="0" eaLnBrk="1" latinLnBrk="0" hangingPunct="1">
-              <a:lnSpc>
-                <a:spcPct val="90000"/>
-              </a:lnSpc>
-              <a:spcBef>
-                <a:spcPts val="375"/>
-              </a:spcBef>
-              <a:buFont typeface="Arial" panose="020B0604020202020204" pitchFamily="34" charset="0"/>
-              <a:buChar char="•"/>
-              <a:defRPr sz="1350" kern="1200">
-                <a:solidFill>
-                  <a:schemeClr val="tx1"/>
-                </a:solidFill>
-                <a:latin typeface="+mn-lt"/>
-                <a:ea typeface="+mn-ea"/>
-                <a:cs typeface="+mn-cs"/>
-              </a:defRPr>
-            </a:lvl8pPr>
-            <a:lvl9pPr marL="2914650" indent="-171450" algn="l" defTabSz="685800" rtl="0" eaLnBrk="1" latinLnBrk="0" hangingPunct="1">
-              <a:lnSpc>
-                <a:spcPct val="90000"/>
-              </a:lnSpc>
-              <a:spcBef>
-                <a:spcPts val="375"/>
-              </a:spcBef>
-              <a:buFont typeface="Arial" panose="020B0604020202020204" pitchFamily="34" charset="0"/>
-              <a:buChar char="•"/>
-              <a:defRPr sz="1350" kern="1200">
-                <a:solidFill>
-                  <a:schemeClr val="tx1"/>
-                </a:solidFill>
-                <a:latin typeface="+mn-lt"/>
-                <a:ea typeface="+mn-ea"/>
-                <a:cs typeface="+mn-cs"/>
-              </a:defRPr>
-            </a:lvl9pPr>
-          </a:lstStyle>
-          <a:p>
-            <a:pPr marL="0" indent="0" algn="ctr">
-              <a:lnSpc>
-                <a:spcPct val="120000"/>
-              </a:lnSpc>
-              <a:buNone/>
-            </a:pPr>
-            <a:r>
-              <a:rPr lang="de-DE" dirty="0">
-                <a:solidFill>
-                  <a:srgbClr val="5AB88F"/>
-                </a:solidFill>
-                <a:latin typeface="Source Sans Pro" panose="020B0503030403020204" pitchFamily="34" charset="0"/>
-              </a:rPr>
-              <a:t>Gut</a:t>
-            </a:r>
-            <a:r>
-              <a:rPr lang="de-DE" b="0" dirty="0">
-                <a:solidFill>
-                  <a:srgbClr val="36544F"/>
-                </a:solidFill>
-                <a:latin typeface="Source Sans Pro" panose="020B0503030403020204" pitchFamily="34" charset="0"/>
-              </a:rPr>
-              <a:t>: JavaScript </a:t>
-            </a:r>
-            <a:r>
-              <a:rPr lang="de-DE" dirty="0">
-                <a:solidFill>
-                  <a:srgbClr val="1778B8"/>
-                </a:solidFill>
-                <a:latin typeface="Source Sans Pro" panose="020B0503030403020204" pitchFamily="34" charset="0"/>
-              </a:rPr>
-              <a:t>zur Laufzeit</a:t>
-            </a:r>
-            <a:r>
-              <a:rPr lang="de-DE" b="0" dirty="0">
-                <a:solidFill>
-                  <a:srgbClr val="36544F"/>
-                </a:solidFill>
-                <a:latin typeface="Source Sans Pro" panose="020B0503030403020204" pitchFamily="34" charset="0"/>
-              </a:rPr>
-              <a:t> nur für interaktive Teile im Client ("Islands")</a:t>
-            </a:r>
-          </a:p>
-          <a:p>
-            <a:pPr marL="0" indent="0" algn="ctr">
-              <a:lnSpc>
-                <a:spcPct val="120000"/>
-              </a:lnSpc>
-              <a:buNone/>
-            </a:pPr>
-            <a:endParaRPr lang="de-DE" b="0" dirty="0">
-              <a:solidFill>
-                <a:srgbClr val="9E60B8"/>
-              </a:solidFill>
-              <a:latin typeface="Source Sans Pro" panose="020B0503030403020204" pitchFamily="34" charset="0"/>
-            </a:endParaRPr>
-          </a:p>
-          <a:p>
-            <a:endParaRPr lang="de-DE" b="0" dirty="0">
-              <a:solidFill>
-                <a:srgbClr val="36544F"/>
-              </a:solidFill>
-            </a:endParaRPr>
-          </a:p>
-        </p:txBody>
-      </p:sp>
-      <p:pic>
-        <p:nvPicPr>
-          <p:cNvPr id="6" name="Grafik 5">
-            <a:extLst>
-              <a:ext uri="{FF2B5EF4-FFF2-40B4-BE49-F238E27FC236}">
-                <a16:creationId xmlns:a16="http://schemas.microsoft.com/office/drawing/2014/main" id="{0A1301B5-1720-EFAD-F255-AE13753CED1F}"/>
-              </a:ext>
-            </a:extLst>
-          </p:cNvPr>
-          <p:cNvPicPr>
-            <a:picLocks noChangeAspect="1"/>
-          </p:cNvPicPr>
-          <p:nvPr/>
-        </p:nvPicPr>
-        <p:blipFill>
-          <a:blip r:embed="rId2"/>
-          <a:stretch>
-            <a:fillRect/>
-          </a:stretch>
-        </p:blipFill>
-        <p:spPr>
-          <a:xfrm>
-            <a:off x="3869467" y="1635040"/>
-            <a:ext cx="1405065" cy="2343591"/>
-          </a:xfrm>
-          <a:prstGeom prst="rect">
-            <a:avLst/>
-          </a:prstGeom>
-        </p:spPr>
-      </p:pic>
-    </p:spTree>
-    <p:extLst>
-      <p:ext uri="{BB962C8B-B14F-4D97-AF65-F5344CB8AC3E}">
-        <p14:creationId xmlns:p14="http://schemas.microsoft.com/office/powerpoint/2010/main" val="640805387"/>
       </p:ext>
     </p:extLst>
   </p:cSld>
